--- a/GitHub Interview Questions.pptx
+++ b/GitHub Interview Questions.pptx
@@ -47,6 +47,8 @@
     <p:sldId id="295" r:id="rId41"/>
     <p:sldId id="296" r:id="rId42"/>
     <p:sldId id="297" r:id="rId43"/>
+    <p:sldId id="298" r:id="rId44"/>
+    <p:sldId id="299" r:id="rId45"/>
   </p:sldIdLst>
   <p:sldSz cx="9144000" cy="6858000" type="screen4x3"/>
   <p:notesSz cx="6858000" cy="9144000"/>
@@ -439,7 +441,7 @@
             <a:fld id="{0DFEAA16-1DA9-4436-A491-549C363A839A}" type="datetimeFigureOut">
               <a:rPr lang="en-GB" smtClean="0"/>
               <a:pPr/>
-              <a:t>24/02/2017</a:t>
+              <a:t>14/03/2017</a:t>
             </a:fld>
             <a:endParaRPr lang="en-GB"/>
           </a:p>
@@ -606,7 +608,7 @@
             <a:fld id="{0DFEAA16-1DA9-4436-A491-549C363A839A}" type="datetimeFigureOut">
               <a:rPr lang="en-GB" smtClean="0"/>
               <a:pPr/>
-              <a:t>24/02/2017</a:t>
+              <a:t>14/03/2017</a:t>
             </a:fld>
             <a:endParaRPr lang="en-GB"/>
           </a:p>
@@ -783,7 +785,7 @@
             <a:fld id="{0DFEAA16-1DA9-4436-A491-549C363A839A}" type="datetimeFigureOut">
               <a:rPr lang="en-GB" smtClean="0"/>
               <a:pPr/>
-              <a:t>24/02/2017</a:t>
+              <a:t>14/03/2017</a:t>
             </a:fld>
             <a:endParaRPr lang="en-GB"/>
           </a:p>
@@ -932,7 +934,7 @@
             <a:fld id="{0DFEAA16-1DA9-4436-A491-549C363A839A}" type="datetimeFigureOut">
               <a:rPr lang="en-GB" smtClean="0"/>
               <a:pPr/>
-              <a:t>24/02/2017</a:t>
+              <a:t>14/03/2017</a:t>
             </a:fld>
             <a:endParaRPr lang="en-GB"/>
           </a:p>
@@ -1051,7 +1053,7 @@
             <a:fld id="{0DFEAA16-1DA9-4436-A491-549C363A839A}" type="datetimeFigureOut">
               <a:rPr lang="en-GB" smtClean="0"/>
               <a:pPr/>
-              <a:t>24/02/2017</a:t>
+              <a:t>14/03/2017</a:t>
             </a:fld>
             <a:endParaRPr lang="en-GB"/>
           </a:p>
@@ -1323,7 +1325,7 @@
             <a:fld id="{0DFEAA16-1DA9-4436-A491-549C363A839A}" type="datetimeFigureOut">
               <a:rPr lang="en-GB" smtClean="0"/>
               <a:pPr/>
-              <a:t>24/02/2017</a:t>
+              <a:t>14/03/2017</a:t>
             </a:fld>
             <a:endParaRPr lang="en-GB"/>
           </a:p>
@@ -1595,7 +1597,7 @@
             <a:fld id="{0DFEAA16-1DA9-4436-A491-549C363A839A}" type="datetimeFigureOut">
               <a:rPr lang="en-GB" smtClean="0"/>
               <a:pPr/>
-              <a:t>24/02/2017</a:t>
+              <a:t>14/03/2017</a:t>
             </a:fld>
             <a:endParaRPr lang="en-GB"/>
           </a:p>
@@ -2043,7 +2045,7 @@
             <a:fld id="{0DFEAA16-1DA9-4436-A491-549C363A839A}" type="datetimeFigureOut">
               <a:rPr lang="en-GB" smtClean="0"/>
               <a:pPr/>
-              <a:t>24/02/2017</a:t>
+              <a:t>14/03/2017</a:t>
             </a:fld>
             <a:endParaRPr lang="en-GB"/>
           </a:p>
@@ -2158,7 +2160,7 @@
             <a:fld id="{0DFEAA16-1DA9-4436-A491-549C363A839A}" type="datetimeFigureOut">
               <a:rPr lang="en-GB" smtClean="0"/>
               <a:pPr/>
-              <a:t>24/02/2017</a:t>
+              <a:t>14/03/2017</a:t>
             </a:fld>
             <a:endParaRPr lang="en-GB"/>
           </a:p>
@@ -2410,7 +2412,7 @@
             <a:fld id="{0DFEAA16-1DA9-4436-A491-549C363A839A}" type="datetimeFigureOut">
               <a:rPr lang="en-GB" smtClean="0"/>
               <a:pPr/>
-              <a:t>24/02/2017</a:t>
+              <a:t>14/03/2017</a:t>
             </a:fld>
             <a:endParaRPr lang="en-GB"/>
           </a:p>
@@ -2652,7 +2654,7 @@
             <a:fld id="{0DFEAA16-1DA9-4436-A491-549C363A839A}" type="datetimeFigureOut">
               <a:rPr lang="en-GB" smtClean="0"/>
               <a:pPr/>
-              <a:t>24/02/2017</a:t>
+              <a:t>14/03/2017</a:t>
             </a:fld>
             <a:endParaRPr lang="en-GB"/>
           </a:p>
@@ -2827,7 +2829,7 @@
             <a:fld id="{0DFEAA16-1DA9-4436-A491-549C363A839A}" type="datetimeFigureOut">
               <a:rPr lang="en-GB" smtClean="0"/>
               <a:pPr/>
-              <a:t>24/02/2017</a:t>
+              <a:t>14/03/2017</a:t>
             </a:fld>
             <a:endParaRPr lang="en-GB"/>
           </a:p>
@@ -3354,6 +3356,13 @@
   <p:clrMapOvr>
     <a:masterClrMapping/>
   </p:clrMapOvr>
+  <p:timing>
+    <p:tnLst>
+      <p:par>
+        <p:cTn id="1" dur="indefinite" restart="never" nodeType="tmRoot"/>
+      </p:par>
+    </p:tnLst>
+  </p:timing>
 </p:sld>
 </file>
 
@@ -3425,6 +3434,13 @@
   <p:clrMapOvr>
     <a:masterClrMapping/>
   </p:clrMapOvr>
+  <p:timing>
+    <p:tnLst>
+      <p:par>
+        <p:cTn id="1" dur="indefinite" restart="never" nodeType="tmRoot"/>
+      </p:par>
+    </p:tnLst>
+  </p:timing>
 </p:sld>
 </file>
 
@@ -3516,6 +3532,13 @@
   <p:clrMapOvr>
     <a:masterClrMapping/>
   </p:clrMapOvr>
+  <p:timing>
+    <p:tnLst>
+      <p:par>
+        <p:cTn id="1" dur="indefinite" restart="never" nodeType="tmRoot"/>
+      </p:par>
+    </p:tnLst>
+  </p:timing>
 </p:sld>
 </file>
 
@@ -3587,6 +3610,13 @@
   <p:clrMapOvr>
     <a:masterClrMapping/>
   </p:clrMapOvr>
+  <p:timing>
+    <p:tnLst>
+      <p:par>
+        <p:cTn id="1" dur="indefinite" restart="never" nodeType="tmRoot"/>
+      </p:par>
+    </p:tnLst>
+  </p:timing>
 </p:sld>
 </file>
 
@@ -3674,6 +3704,13 @@
   <p:clrMapOvr>
     <a:masterClrMapping/>
   </p:clrMapOvr>
+  <p:timing>
+    <p:tnLst>
+      <p:par>
+        <p:cTn id="1" dur="indefinite" restart="never" nodeType="tmRoot"/>
+      </p:par>
+    </p:tnLst>
+  </p:timing>
 </p:sld>
 </file>
 
@@ -3745,6 +3782,13 @@
   <p:clrMapOvr>
     <a:masterClrMapping/>
   </p:clrMapOvr>
+  <p:timing>
+    <p:tnLst>
+      <p:par>
+        <p:cTn id="1" dur="indefinite" restart="never" nodeType="tmRoot"/>
+      </p:par>
+    </p:tnLst>
+  </p:timing>
 </p:sld>
 </file>
 
@@ -3824,6 +3868,13 @@
   <p:clrMapOvr>
     <a:masterClrMapping/>
   </p:clrMapOvr>
+  <p:timing>
+    <p:tnLst>
+      <p:par>
+        <p:cTn id="1" dur="indefinite" restart="never" nodeType="tmRoot"/>
+      </p:par>
+    </p:tnLst>
+  </p:timing>
 </p:sld>
 </file>
 
@@ -3895,6 +3946,13 @@
   <p:clrMapOvr>
     <a:masterClrMapping/>
   </p:clrMapOvr>
+  <p:timing>
+    <p:tnLst>
+      <p:par>
+        <p:cTn id="1" dur="indefinite" restart="never" nodeType="tmRoot"/>
+      </p:par>
+    </p:tnLst>
+  </p:timing>
 </p:sld>
 </file>
 
@@ -3966,6 +4024,13 @@
   <p:clrMapOvr>
     <a:masterClrMapping/>
   </p:clrMapOvr>
+  <p:timing>
+    <p:tnLst>
+      <p:par>
+        <p:cTn id="1" dur="indefinite" restart="never" nodeType="tmRoot"/>
+      </p:par>
+    </p:tnLst>
+  </p:timing>
 </p:sld>
 </file>
 
@@ -4067,6 +4132,13 @@
   <p:clrMapOvr>
     <a:masterClrMapping/>
   </p:clrMapOvr>
+  <p:timing>
+    <p:tnLst>
+      <p:par>
+        <p:cTn id="1" dur="indefinite" restart="never" nodeType="tmRoot"/>
+      </p:par>
+    </p:tnLst>
+  </p:timing>
 </p:sld>
 </file>
 
@@ -4138,6 +4210,13 @@
   <p:clrMapOvr>
     <a:masterClrMapping/>
   </p:clrMapOvr>
+  <p:timing>
+    <p:tnLst>
+      <p:par>
+        <p:cTn id="1" dur="indefinite" restart="never" nodeType="tmRoot"/>
+      </p:par>
+    </p:tnLst>
+  </p:timing>
 </p:sld>
 </file>
 
@@ -4265,6 +4344,13 @@
   <p:clrMapOvr>
     <a:masterClrMapping/>
   </p:clrMapOvr>
+  <p:timing>
+    <p:tnLst>
+      <p:par>
+        <p:cTn id="1" dur="indefinite" restart="never" nodeType="tmRoot"/>
+      </p:par>
+    </p:tnLst>
+  </p:timing>
 </p:sld>
 </file>
 
@@ -4336,6 +4422,13 @@
   <p:clrMapOvr>
     <a:masterClrMapping/>
   </p:clrMapOvr>
+  <p:timing>
+    <p:tnLst>
+      <p:par>
+        <p:cTn id="1" dur="indefinite" restart="never" nodeType="tmRoot"/>
+      </p:par>
+    </p:tnLst>
+  </p:timing>
 </p:sld>
 </file>
 
@@ -4407,6 +4500,13 @@
   <p:clrMapOvr>
     <a:masterClrMapping/>
   </p:clrMapOvr>
+  <p:timing>
+    <p:tnLst>
+      <p:par>
+        <p:cTn id="1" dur="indefinite" restart="never" nodeType="tmRoot"/>
+      </p:par>
+    </p:tnLst>
+  </p:timing>
 </p:sld>
 </file>
 
@@ -4478,6 +4578,13 @@
   <p:clrMapOvr>
     <a:masterClrMapping/>
   </p:clrMapOvr>
+  <p:timing>
+    <p:tnLst>
+      <p:par>
+        <p:cTn id="1" dur="indefinite" restart="never" nodeType="tmRoot"/>
+      </p:par>
+    </p:tnLst>
+  </p:timing>
 </p:sld>
 </file>
 
@@ -4549,6 +4656,13 @@
   <p:clrMapOvr>
     <a:masterClrMapping/>
   </p:clrMapOvr>
+  <p:timing>
+    <p:tnLst>
+      <p:par>
+        <p:cTn id="1" dur="indefinite" restart="never" nodeType="tmRoot"/>
+      </p:par>
+    </p:tnLst>
+  </p:timing>
 </p:sld>
 </file>
 
@@ -4620,6 +4734,13 @@
   <p:clrMapOvr>
     <a:masterClrMapping/>
   </p:clrMapOvr>
+  <p:timing>
+    <p:tnLst>
+      <p:par>
+        <p:cTn id="1" dur="indefinite" restart="never" nodeType="tmRoot"/>
+      </p:par>
+    </p:tnLst>
+  </p:timing>
 </p:sld>
 </file>
 
@@ -4707,6 +4828,13 @@
   <p:clrMapOvr>
     <a:masterClrMapping/>
   </p:clrMapOvr>
+  <p:timing>
+    <p:tnLst>
+      <p:par>
+        <p:cTn id="1" dur="indefinite" restart="never" nodeType="tmRoot"/>
+      </p:par>
+    </p:tnLst>
+  </p:timing>
 </p:sld>
 </file>
 
@@ -4794,6 +4922,13 @@
   <p:clrMapOvr>
     <a:masterClrMapping/>
   </p:clrMapOvr>
+  <p:timing>
+    <p:tnLst>
+      <p:par>
+        <p:cTn id="1" dur="indefinite" restart="never" nodeType="tmRoot"/>
+      </p:par>
+    </p:tnLst>
+  </p:timing>
 </p:sld>
 </file>
 
@@ -4869,6 +5004,13 @@
   <p:clrMapOvr>
     <a:masterClrMapping/>
   </p:clrMapOvr>
+  <p:timing>
+    <p:tnLst>
+      <p:par>
+        <p:cTn id="1" dur="indefinite" restart="never" nodeType="tmRoot"/>
+      </p:par>
+    </p:tnLst>
+  </p:timing>
 </p:sld>
 </file>
 
@@ -4963,6 +5105,13 @@
   <p:clrMapOvr>
     <a:masterClrMapping/>
   </p:clrMapOvr>
+  <p:timing>
+    <p:tnLst>
+      <p:par>
+        <p:cTn id="1" dur="indefinite" restart="never" nodeType="tmRoot"/>
+      </p:par>
+    </p:tnLst>
+  </p:timing>
 </p:sld>
 </file>
 
@@ -5038,6 +5187,13 @@
   <p:clrMapOvr>
     <a:masterClrMapping/>
   </p:clrMapOvr>
+  <p:timing>
+    <p:tnLst>
+      <p:par>
+        <p:cTn id="1" dur="indefinite" restart="never" nodeType="tmRoot"/>
+      </p:par>
+    </p:tnLst>
+  </p:timing>
 </p:sld>
 </file>
 
@@ -5124,6 +5280,13 @@
   <p:clrMapOvr>
     <a:masterClrMapping/>
   </p:clrMapOvr>
+  <p:timing>
+    <p:tnLst>
+      <p:par>
+        <p:cTn id="1" dur="indefinite" restart="never" nodeType="tmRoot"/>
+      </p:par>
+    </p:tnLst>
+  </p:timing>
 </p:sld>
 </file>
 
@@ -5204,6 +5367,13 @@
   <p:clrMapOvr>
     <a:masterClrMapping/>
   </p:clrMapOvr>
+  <p:timing>
+    <p:tnLst>
+      <p:par>
+        <p:cTn id="1" dur="indefinite" restart="never" nodeType="tmRoot"/>
+      </p:par>
+    </p:tnLst>
+  </p:timing>
 </p:sld>
 </file>
 
@@ -5295,6 +5465,13 @@
   <p:clrMapOvr>
     <a:masterClrMapping/>
   </p:clrMapOvr>
+  <p:timing>
+    <p:tnLst>
+      <p:par>
+        <p:cTn id="1" dur="indefinite" restart="never" nodeType="tmRoot"/>
+      </p:par>
+    </p:tnLst>
+  </p:timing>
 </p:sld>
 </file>
 
@@ -5402,6 +5579,13 @@
   <p:clrMapOvr>
     <a:masterClrMapping/>
   </p:clrMapOvr>
+  <p:timing>
+    <p:tnLst>
+      <p:par>
+        <p:cTn id="1" dur="indefinite" restart="never" nodeType="tmRoot"/>
+      </p:par>
+    </p:tnLst>
+  </p:timing>
 </p:sld>
 </file>
 
@@ -5483,6 +5667,13 @@
   <p:clrMapOvr>
     <a:masterClrMapping/>
   </p:clrMapOvr>
+  <p:timing>
+    <p:tnLst>
+      <p:par>
+        <p:cTn id="1" dur="indefinite" restart="never" nodeType="tmRoot"/>
+      </p:par>
+    </p:tnLst>
+  </p:timing>
 </p:sld>
 </file>
 
@@ -5580,6 +5771,13 @@
   <p:clrMapOvr>
     <a:masterClrMapping/>
   </p:clrMapOvr>
+  <p:timing>
+    <p:tnLst>
+      <p:par>
+        <p:cTn id="1" dur="indefinite" restart="never" nodeType="tmRoot"/>
+      </p:par>
+    </p:tnLst>
+  </p:timing>
 </p:sld>
 </file>
 
@@ -5669,6 +5867,13 @@
   <p:clrMapOvr>
     <a:masterClrMapping/>
   </p:clrMapOvr>
+  <p:timing>
+    <p:tnLst>
+      <p:par>
+        <p:cTn id="1" dur="indefinite" restart="never" nodeType="tmRoot"/>
+      </p:par>
+    </p:tnLst>
+  </p:timing>
 </p:sld>
 </file>
 
@@ -5772,6 +5977,13 @@
   <p:clrMapOvr>
     <a:masterClrMapping/>
   </p:clrMapOvr>
+  <p:timing>
+    <p:tnLst>
+      <p:par>
+        <p:cTn id="1" dur="indefinite" restart="never" nodeType="tmRoot"/>
+      </p:par>
+    </p:tnLst>
+  </p:timing>
 </p:sld>
 </file>
 
@@ -5941,6 +6153,13 @@
   <p:clrMapOvr>
     <a:masterClrMapping/>
   </p:clrMapOvr>
+  <p:timing>
+    <p:tnLst>
+      <p:par>
+        <p:cTn id="1" dur="indefinite" restart="never" nodeType="tmRoot"/>
+      </p:par>
+    </p:tnLst>
+  </p:timing>
 </p:sld>
 </file>
 
@@ -6012,6 +6231,13 @@
   <p:clrMapOvr>
     <a:masterClrMapping/>
   </p:clrMapOvr>
+  <p:timing>
+    <p:tnLst>
+      <p:par>
+        <p:cTn id="1" dur="indefinite" restart="never" nodeType="tmRoot"/>
+      </p:par>
+    </p:tnLst>
+  </p:timing>
 </p:sld>
 </file>
 
@@ -6204,6 +6430,13 @@
   <p:clrMapOvr>
     <a:masterClrMapping/>
   </p:clrMapOvr>
+  <p:timing>
+    <p:tnLst>
+      <p:par>
+        <p:cTn id="1" dur="indefinite" restart="never" nodeType="tmRoot"/>
+      </p:par>
+    </p:tnLst>
+  </p:timing>
 </p:sld>
 </file>
 
@@ -6436,6 +6669,165 @@
 </p:sld>
 </file>
 
+<file path=ppt/slides/slide43.xml><?xml version="1.0" encoding="utf-8"?>
+<p:sld xmlns:a="http://schemas.openxmlformats.org/drawingml/2006/main" xmlns:r="http://schemas.openxmlformats.org/officeDocument/2006/relationships" xmlns:p="http://schemas.openxmlformats.org/presentationml/2006/main">
+  <p:cSld>
+    <p:spTree>
+      <p:nvGrpSpPr>
+        <p:cNvPr id="1" name=""/>
+        <p:cNvGrpSpPr/>
+        <p:nvPr/>
+      </p:nvGrpSpPr>
+      <p:grpSpPr>
+        <a:xfrm>
+          <a:off x="0" y="0"/>
+          <a:ext cx="0" cy="0"/>
+          <a:chOff x="0" y="0"/>
+          <a:chExt cx="0" cy="0"/>
+        </a:xfrm>
+      </p:grpSpPr>
+      <p:sp>
+        <p:nvSpPr>
+          <p:cNvPr id="2" name="Subtitle 1"/>
+          <p:cNvSpPr>
+            <a:spLocks noGrp="1"/>
+          </p:cNvSpPr>
+          <p:nvPr>
+            <p:ph type="subTitle" idx="1"/>
+          </p:nvPr>
+        </p:nvSpPr>
+        <p:spPr/>
+        <p:txBody>
+          <a:bodyPr/>
+          <a:lstStyle/>
+          <a:p>
+            <a:r>
+              <a:rPr lang="en-GB" dirty="0" smtClean="0"/>
+              <a:t>git --version</a:t>
+            </a:r>
+            <a:endParaRPr lang="en-GB" dirty="0"/>
+          </a:p>
+        </p:txBody>
+      </p:sp>
+      <p:sp>
+        <p:nvSpPr>
+          <p:cNvPr id="3" name="Title 2"/>
+          <p:cNvSpPr>
+            <a:spLocks noGrp="1"/>
+          </p:cNvSpPr>
+          <p:nvPr>
+            <p:ph type="ctrTitle"/>
+          </p:nvPr>
+        </p:nvSpPr>
+        <p:spPr/>
+        <p:txBody>
+          <a:bodyPr/>
+          <a:lstStyle/>
+          <a:p>
+            <a:r>
+              <a:rPr lang="en-GB" dirty="0" smtClean="0"/>
+              <a:t>How to check git version from a directory?</a:t>
+            </a:r>
+            <a:endParaRPr lang="en-GB" dirty="0"/>
+          </a:p>
+        </p:txBody>
+      </p:sp>
+    </p:spTree>
+  </p:cSld>
+  <p:clrMapOvr>
+    <a:masterClrMapping/>
+  </p:clrMapOvr>
+</p:sld>
+</file>
+
+<file path=ppt/slides/slide44.xml><?xml version="1.0" encoding="utf-8"?>
+<p:sld xmlns:a="http://schemas.openxmlformats.org/drawingml/2006/main" xmlns:r="http://schemas.openxmlformats.org/officeDocument/2006/relationships" xmlns:p="http://schemas.openxmlformats.org/presentationml/2006/main">
+  <p:cSld>
+    <p:spTree>
+      <p:nvGrpSpPr>
+        <p:cNvPr id="1" name=""/>
+        <p:cNvGrpSpPr/>
+        <p:nvPr/>
+      </p:nvGrpSpPr>
+      <p:grpSpPr>
+        <a:xfrm>
+          <a:off x="0" y="0"/>
+          <a:ext cx="0" cy="0"/>
+          <a:chOff x="0" y="0"/>
+          <a:chExt cx="0" cy="0"/>
+        </a:xfrm>
+      </p:grpSpPr>
+      <p:sp>
+        <p:nvSpPr>
+          <p:cNvPr id="2" name="Subtitle 1"/>
+          <p:cNvSpPr>
+            <a:spLocks noGrp="1"/>
+          </p:cNvSpPr>
+          <p:nvPr>
+            <p:ph type="subTitle" idx="1"/>
+          </p:nvPr>
+        </p:nvSpPr>
+        <p:spPr/>
+        <p:txBody>
+          <a:bodyPr/>
+          <a:lstStyle/>
+          <a:p>
+            <a:r>
+              <a:rPr lang="en-GB" dirty="0" smtClean="0"/>
+              <a:t>Go to directory</a:t>
+            </a:r>
+          </a:p>
+          <a:p>
+            <a:r>
+              <a:rPr lang="en-GB" dirty="0" smtClean="0"/>
+              <a:t>Type git </a:t>
+            </a:r>
+            <a:r>
+              <a:rPr lang="en-GB" dirty="0" err="1" smtClean="0"/>
+              <a:t>int</a:t>
+            </a:r>
+            <a:endParaRPr lang="en-GB" dirty="0" smtClean="0"/>
+          </a:p>
+          <a:p>
+            <a:r>
+              <a:rPr lang="en-GB" dirty="0" smtClean="0"/>
+              <a:t>You can check it by typing git status</a:t>
+            </a:r>
+            <a:endParaRPr lang="en-GB" dirty="0"/>
+          </a:p>
+        </p:txBody>
+      </p:sp>
+      <p:sp>
+        <p:nvSpPr>
+          <p:cNvPr id="3" name="Title 2"/>
+          <p:cNvSpPr>
+            <a:spLocks noGrp="1"/>
+          </p:cNvSpPr>
+          <p:nvPr>
+            <p:ph type="ctrTitle"/>
+          </p:nvPr>
+        </p:nvSpPr>
+        <p:spPr/>
+        <p:txBody>
+          <a:bodyPr/>
+          <a:lstStyle/>
+          <a:p>
+            <a:r>
+              <a:rPr lang="en-GB" dirty="0" smtClean="0"/>
+              <a:t>How to initialize a directory under git version control</a:t>
+            </a:r>
+            <a:endParaRPr lang="en-GB" dirty="0"/>
+          </a:p>
+        </p:txBody>
+      </p:sp>
+    </p:spTree>
+  </p:cSld>
+  <p:clrMapOvr>
+    <a:masterClrMapping/>
+  </p:clrMapOvr>
+</p:sld>
+</file>
+
 <file path=ppt/slides/slide5.xml><?xml version="1.0" encoding="utf-8"?>
 <p:sld xmlns:a="http://schemas.openxmlformats.org/drawingml/2006/main" xmlns:r="http://schemas.openxmlformats.org/officeDocument/2006/relationships" xmlns:p="http://schemas.openxmlformats.org/presentationml/2006/main">
   <p:cSld>
@@ -6508,6 +6900,13 @@
   <p:clrMapOvr>
     <a:masterClrMapping/>
   </p:clrMapOvr>
+  <p:timing>
+    <p:tnLst>
+      <p:par>
+        <p:cTn id="1" dur="indefinite" restart="never" nodeType="tmRoot"/>
+      </p:par>
+    </p:tnLst>
+  </p:timing>
 </p:sld>
 </file>
 
@@ -6579,6 +6978,13 @@
   <p:clrMapOvr>
     <a:masterClrMapping/>
   </p:clrMapOvr>
+  <p:timing>
+    <p:tnLst>
+      <p:par>
+        <p:cTn id="1" dur="indefinite" restart="never" nodeType="tmRoot"/>
+      </p:par>
+    </p:tnLst>
+  </p:timing>
 </p:sld>
 </file>
 
@@ -6650,6 +7056,13 @@
   <p:clrMapOvr>
     <a:masterClrMapping/>
   </p:clrMapOvr>
+  <p:timing>
+    <p:tnLst>
+      <p:par>
+        <p:cTn id="1" dur="indefinite" restart="never" nodeType="tmRoot"/>
+      </p:par>
+    </p:tnLst>
+  </p:timing>
 </p:sld>
 </file>
 
@@ -6729,6 +7142,13 @@
   <p:clrMapOvr>
     <a:masterClrMapping/>
   </p:clrMapOvr>
+  <p:timing>
+    <p:tnLst>
+      <p:par>
+        <p:cTn id="1" dur="indefinite" restart="never" nodeType="tmRoot"/>
+      </p:par>
+    </p:tnLst>
+  </p:timing>
 </p:sld>
 </file>
 
@@ -6810,6 +7230,13 @@
   <p:clrMapOvr>
     <a:masterClrMapping/>
   </p:clrMapOvr>
+  <p:timing>
+    <p:tnLst>
+      <p:par>
+        <p:cTn id="1" dur="indefinite" restart="never" nodeType="tmRoot"/>
+      </p:par>
+    </p:tnLst>
+  </p:timing>
 </p:sld>
 </file>
 

--- a/GitHub Interview Questions.pptx
+++ b/GitHub Interview Questions.pptx
@@ -49,6 +49,8 @@
     <p:sldId id="297" r:id="rId43"/>
     <p:sldId id="298" r:id="rId44"/>
     <p:sldId id="299" r:id="rId45"/>
+    <p:sldId id="300" r:id="rId46"/>
+    <p:sldId id="301" r:id="rId47"/>
   </p:sldIdLst>
   <p:sldSz cx="9144000" cy="6858000" type="screen4x3"/>
   <p:notesSz cx="6858000" cy="9144000"/>
@@ -441,7 +443,7 @@
             <a:fld id="{0DFEAA16-1DA9-4436-A491-549C363A839A}" type="datetimeFigureOut">
               <a:rPr lang="en-GB" smtClean="0"/>
               <a:pPr/>
-              <a:t>14/03/2017</a:t>
+              <a:t>19/03/2017</a:t>
             </a:fld>
             <a:endParaRPr lang="en-GB"/>
           </a:p>
@@ -608,7 +610,7 @@
             <a:fld id="{0DFEAA16-1DA9-4436-A491-549C363A839A}" type="datetimeFigureOut">
               <a:rPr lang="en-GB" smtClean="0"/>
               <a:pPr/>
-              <a:t>14/03/2017</a:t>
+              <a:t>19/03/2017</a:t>
             </a:fld>
             <a:endParaRPr lang="en-GB"/>
           </a:p>
@@ -785,7 +787,7 @@
             <a:fld id="{0DFEAA16-1DA9-4436-A491-549C363A839A}" type="datetimeFigureOut">
               <a:rPr lang="en-GB" smtClean="0"/>
               <a:pPr/>
-              <a:t>14/03/2017</a:t>
+              <a:t>19/03/2017</a:t>
             </a:fld>
             <a:endParaRPr lang="en-GB"/>
           </a:p>
@@ -934,7 +936,7 @@
             <a:fld id="{0DFEAA16-1DA9-4436-A491-549C363A839A}" type="datetimeFigureOut">
               <a:rPr lang="en-GB" smtClean="0"/>
               <a:pPr/>
-              <a:t>14/03/2017</a:t>
+              <a:t>19/03/2017</a:t>
             </a:fld>
             <a:endParaRPr lang="en-GB"/>
           </a:p>
@@ -1053,7 +1055,7 @@
             <a:fld id="{0DFEAA16-1DA9-4436-A491-549C363A839A}" type="datetimeFigureOut">
               <a:rPr lang="en-GB" smtClean="0"/>
               <a:pPr/>
-              <a:t>14/03/2017</a:t>
+              <a:t>19/03/2017</a:t>
             </a:fld>
             <a:endParaRPr lang="en-GB"/>
           </a:p>
@@ -1325,7 +1327,7 @@
             <a:fld id="{0DFEAA16-1DA9-4436-A491-549C363A839A}" type="datetimeFigureOut">
               <a:rPr lang="en-GB" smtClean="0"/>
               <a:pPr/>
-              <a:t>14/03/2017</a:t>
+              <a:t>19/03/2017</a:t>
             </a:fld>
             <a:endParaRPr lang="en-GB"/>
           </a:p>
@@ -1597,7 +1599,7 @@
             <a:fld id="{0DFEAA16-1DA9-4436-A491-549C363A839A}" type="datetimeFigureOut">
               <a:rPr lang="en-GB" smtClean="0"/>
               <a:pPr/>
-              <a:t>14/03/2017</a:t>
+              <a:t>19/03/2017</a:t>
             </a:fld>
             <a:endParaRPr lang="en-GB"/>
           </a:p>
@@ -2045,7 +2047,7 @@
             <a:fld id="{0DFEAA16-1DA9-4436-A491-549C363A839A}" type="datetimeFigureOut">
               <a:rPr lang="en-GB" smtClean="0"/>
               <a:pPr/>
-              <a:t>14/03/2017</a:t>
+              <a:t>19/03/2017</a:t>
             </a:fld>
             <a:endParaRPr lang="en-GB"/>
           </a:p>
@@ -2160,7 +2162,7 @@
             <a:fld id="{0DFEAA16-1DA9-4436-A491-549C363A839A}" type="datetimeFigureOut">
               <a:rPr lang="en-GB" smtClean="0"/>
               <a:pPr/>
-              <a:t>14/03/2017</a:t>
+              <a:t>19/03/2017</a:t>
             </a:fld>
             <a:endParaRPr lang="en-GB"/>
           </a:p>
@@ -2412,7 +2414,7 @@
             <a:fld id="{0DFEAA16-1DA9-4436-A491-549C363A839A}" type="datetimeFigureOut">
               <a:rPr lang="en-GB" smtClean="0"/>
               <a:pPr/>
-              <a:t>14/03/2017</a:t>
+              <a:t>19/03/2017</a:t>
             </a:fld>
             <a:endParaRPr lang="en-GB"/>
           </a:p>
@@ -2654,7 +2656,7 @@
             <a:fld id="{0DFEAA16-1DA9-4436-A491-549C363A839A}" type="datetimeFigureOut">
               <a:rPr lang="en-GB" smtClean="0"/>
               <a:pPr/>
-              <a:t>14/03/2017</a:t>
+              <a:t>19/03/2017</a:t>
             </a:fld>
             <a:endParaRPr lang="en-GB"/>
           </a:p>
@@ -2829,7 +2831,7 @@
             <a:fld id="{0DFEAA16-1DA9-4436-A491-549C363A839A}" type="datetimeFigureOut">
               <a:rPr lang="en-GB" smtClean="0"/>
               <a:pPr/>
-              <a:t>14/03/2017</a:t>
+              <a:t>19/03/2017</a:t>
             </a:fld>
             <a:endParaRPr lang="en-GB"/>
           </a:p>
@@ -6828,6 +6830,201 @@
 </p:sld>
 </file>
 
+<file path=ppt/slides/slide45.xml><?xml version="1.0" encoding="utf-8"?>
+<p:sld xmlns:a="http://schemas.openxmlformats.org/drawingml/2006/main" xmlns:r="http://schemas.openxmlformats.org/officeDocument/2006/relationships" xmlns:p="http://schemas.openxmlformats.org/presentationml/2006/main">
+  <p:cSld>
+    <p:spTree>
+      <p:nvGrpSpPr>
+        <p:cNvPr id="1" name=""/>
+        <p:cNvGrpSpPr/>
+        <p:nvPr/>
+      </p:nvGrpSpPr>
+      <p:grpSpPr>
+        <a:xfrm>
+          <a:off x="0" y="0"/>
+          <a:ext cx="0" cy="0"/>
+          <a:chOff x="0" y="0"/>
+          <a:chExt cx="0" cy="0"/>
+        </a:xfrm>
+      </p:grpSpPr>
+      <p:sp>
+        <p:nvSpPr>
+          <p:cNvPr id="2" name="Subtitle 1"/>
+          <p:cNvSpPr>
+            <a:spLocks noGrp="1"/>
+          </p:cNvSpPr>
+          <p:nvPr>
+            <p:ph type="subTitle" idx="1"/>
+          </p:nvPr>
+        </p:nvSpPr>
+        <p:spPr>
+          <a:xfrm>
+            <a:off x="457200" y="3699804"/>
+            <a:ext cx="8305800" cy="2465500"/>
+          </a:xfrm>
+        </p:spPr>
+        <p:txBody>
+          <a:bodyPr/>
+          <a:lstStyle/>
+          <a:p>
+            <a:r>
+              <a:rPr lang="en-GB" dirty="0" smtClean="0"/>
+              <a:t>echo "# </a:t>
+            </a:r>
+            <a:r>
+              <a:rPr lang="en-GB" dirty="0" err="1" smtClean="0"/>
+              <a:t>pms</a:t>
+            </a:r>
+            <a:r>
+              <a:rPr lang="en-GB" dirty="0" smtClean="0"/>
+              <a:t>" &gt;&gt; README.md git init git add README.md git commit -m "first commit" git remote add origin https://github.com/githubsebkun/pms.git git push -u origin master</a:t>
+            </a:r>
+            <a:endParaRPr lang="en-GB" dirty="0"/>
+          </a:p>
+        </p:txBody>
+      </p:sp>
+      <p:sp>
+        <p:nvSpPr>
+          <p:cNvPr id="3" name="Title 2"/>
+          <p:cNvSpPr>
+            <a:spLocks noGrp="1"/>
+          </p:cNvSpPr>
+          <p:nvPr>
+            <p:ph type="ctrTitle"/>
+          </p:nvPr>
+        </p:nvSpPr>
+        <p:spPr/>
+        <p:txBody>
+          <a:bodyPr/>
+          <a:lstStyle/>
+          <a:p>
+            <a:r>
+              <a:rPr lang="en-GB" dirty="0" smtClean="0"/>
+              <a:t>How </a:t>
+            </a:r>
+            <a:r>
+              <a:rPr lang="en-GB" smtClean="0"/>
+              <a:t>to </a:t>
+            </a:r>
+            <a:r>
+              <a:rPr lang="en-GB" b="1" dirty="0" smtClean="0"/>
+              <a:t>create a new repository on the command line</a:t>
+            </a:r>
+            <a:br>
+              <a:rPr lang="en-GB" b="1" dirty="0" smtClean="0"/>
+            </a:br>
+            <a:endParaRPr lang="en-GB" dirty="0"/>
+          </a:p>
+        </p:txBody>
+      </p:sp>
+    </p:spTree>
+  </p:cSld>
+  <p:clrMapOvr>
+    <a:masterClrMapping/>
+  </p:clrMapOvr>
+</p:sld>
+</file>
+
+<file path=ppt/slides/slide46.xml><?xml version="1.0" encoding="utf-8"?>
+<p:sld xmlns:a="http://schemas.openxmlformats.org/drawingml/2006/main" xmlns:r="http://schemas.openxmlformats.org/officeDocument/2006/relationships" xmlns:p="http://schemas.openxmlformats.org/presentationml/2006/main">
+  <p:cSld>
+    <p:spTree>
+      <p:nvGrpSpPr>
+        <p:cNvPr id="1" name=""/>
+        <p:cNvGrpSpPr/>
+        <p:nvPr/>
+      </p:nvGrpSpPr>
+      <p:grpSpPr>
+        <a:xfrm>
+          <a:off x="0" y="0"/>
+          <a:ext cx="0" cy="0"/>
+          <a:chOff x="0" y="0"/>
+          <a:chExt cx="0" cy="0"/>
+        </a:xfrm>
+      </p:grpSpPr>
+      <p:sp>
+        <p:nvSpPr>
+          <p:cNvPr id="2" name="Subtitle 1"/>
+          <p:cNvSpPr>
+            <a:spLocks noGrp="1"/>
+          </p:cNvSpPr>
+          <p:nvPr>
+            <p:ph type="subTitle" idx="1"/>
+          </p:nvPr>
+        </p:nvSpPr>
+        <p:spPr/>
+        <p:txBody>
+          <a:bodyPr/>
+          <a:lstStyle/>
+          <a:p>
+            <a:r>
+              <a:rPr lang="en-GB" dirty="0" smtClean="0"/>
+              <a:t>Git init</a:t>
+            </a:r>
+          </a:p>
+          <a:p>
+            <a:r>
+              <a:rPr lang="en-GB" dirty="0" smtClean="0"/>
+              <a:t>Git add .</a:t>
+            </a:r>
+          </a:p>
+          <a:p>
+            <a:r>
+              <a:rPr lang="en-GB" dirty="0" smtClean="0"/>
+              <a:t>Git status</a:t>
+            </a:r>
+          </a:p>
+          <a:p>
+            <a:r>
+              <a:rPr lang="en-GB" dirty="0" smtClean="0"/>
+              <a:t>Git commit –m “first save...”</a:t>
+            </a:r>
+          </a:p>
+          <a:p>
+            <a:r>
+              <a:rPr lang="en-GB" dirty="0" smtClean="0"/>
+              <a:t>Git remote</a:t>
+            </a:r>
+          </a:p>
+          <a:p>
+            <a:r>
+              <a:rPr lang="en-GB" dirty="0" smtClean="0"/>
+              <a:t>Git push –u origin</a:t>
+            </a:r>
+          </a:p>
+        </p:txBody>
+      </p:sp>
+      <p:sp>
+        <p:nvSpPr>
+          <p:cNvPr id="3" name="Title 2"/>
+          <p:cNvSpPr>
+            <a:spLocks noGrp="1"/>
+          </p:cNvSpPr>
+          <p:nvPr>
+            <p:ph type="ctrTitle"/>
+          </p:nvPr>
+        </p:nvSpPr>
+        <p:spPr/>
+        <p:txBody>
+          <a:bodyPr/>
+          <a:lstStyle/>
+          <a:p>
+            <a:r>
+              <a:rPr lang="en-GB" dirty="0" smtClean="0"/>
+              <a:t>Common four command in git</a:t>
+            </a:r>
+            <a:endParaRPr lang="en-GB" dirty="0"/>
+          </a:p>
+        </p:txBody>
+      </p:sp>
+    </p:spTree>
+  </p:cSld>
+  <p:clrMapOvr>
+    <a:masterClrMapping/>
+  </p:clrMapOvr>
+</p:sld>
+</file>
+
 <file path=ppt/slides/slide5.xml><?xml version="1.0" encoding="utf-8"?>
 <p:sld xmlns:a="http://schemas.openxmlformats.org/drawingml/2006/main" xmlns:r="http://schemas.openxmlformats.org/officeDocument/2006/relationships" xmlns:p="http://schemas.openxmlformats.org/presentationml/2006/main">
   <p:cSld>
